--- a/BDM/HW1.pptx
+++ b/BDM/HW1.pptx
@@ -2117,7 +2117,7 @@
             </a:pPr>
             <a:r>
               <a:rPr lang="en-US" altLang="zh-TW"/>
-              <a:t>Big Data Mining &amp; Applications, Fall 2023</a:t>
+              <a:t>Big Data Mining &amp; Applications, Fall 2024</a:t>
             </a:r>
           </a:p>
         </p:txBody>
@@ -2317,7 +2317,7 @@
             </a:pPr>
             <a:r>
               <a:rPr lang="en-US" altLang="zh-TW"/>
-              <a:t>Big Data Mining &amp; Applications, Fall 2023</a:t>
+              <a:t>Big Data Mining &amp; Applications, Fall 2024</a:t>
             </a:r>
           </a:p>
         </p:txBody>
@@ -2527,7 +2527,7 @@
             </a:pPr>
             <a:r>
               <a:rPr lang="en-US" altLang="zh-TW"/>
-              <a:t>Big Data Mining &amp; Applications, Fall 2023</a:t>
+              <a:t>Big Data Mining &amp; Applications, Fall 2024</a:t>
             </a:r>
           </a:p>
         </p:txBody>
@@ -2727,7 +2727,7 @@
             </a:pPr>
             <a:r>
               <a:rPr lang="en-US" altLang="zh-TW"/>
-              <a:t>Big Data Mining &amp; Applications, Fall 2023</a:t>
+              <a:t>Big Data Mining &amp; Applications, Fall 2024</a:t>
             </a:r>
           </a:p>
         </p:txBody>
@@ -2950,7 +2950,7 @@
             </a:pPr>
             <a:r>
               <a:rPr lang="en-US" altLang="zh-TW"/>
-              <a:t>Big Data Mining &amp; Applications, Fall 2023</a:t>
+              <a:t>Big Data Mining &amp; Applications, Fall 2024</a:t>
             </a:r>
           </a:p>
         </p:txBody>
@@ -3267,7 +3267,7 @@
             </a:pPr>
             <a:r>
               <a:rPr lang="en-US" altLang="zh-TW"/>
-              <a:t>Big Data Mining &amp; Applications, Fall 2023</a:t>
+              <a:t>Big Data Mining &amp; Applications, Fall 2024</a:t>
             </a:r>
           </a:p>
         </p:txBody>
@@ -3718,7 +3718,7 @@
             </a:pPr>
             <a:r>
               <a:rPr lang="en-US" altLang="zh-TW"/>
-              <a:t>Big Data Mining &amp; Applications, Fall 2023</a:t>
+              <a:t>Big Data Mining &amp; Applications, Fall 2024</a:t>
             </a:r>
           </a:p>
         </p:txBody>
@@ -3867,7 +3867,7 @@
             </a:pPr>
             <a:r>
               <a:rPr lang="en-US" altLang="zh-TW"/>
-              <a:t>Big Data Mining &amp; Applications, Fall 2023</a:t>
+              <a:t>Big Data Mining &amp; Applications, Fall 2024</a:t>
             </a:r>
           </a:p>
         </p:txBody>
@@ -3994,7 +3994,7 @@
             </a:pPr>
             <a:r>
               <a:rPr lang="en-US" altLang="zh-TW"/>
-              <a:t>Big Data Mining &amp; Applications, Fall 2023</a:t>
+              <a:t>Big Data Mining &amp; Applications, Fall 2024</a:t>
             </a:r>
           </a:p>
         </p:txBody>
@@ -4301,7 +4301,7 @@
             </a:pPr>
             <a:r>
               <a:rPr lang="en-US" altLang="zh-TW"/>
-              <a:t>Big Data Mining &amp; Applications, Fall 2023</a:t>
+              <a:t>Big Data Mining &amp; Applications, Fall 2024</a:t>
             </a:r>
           </a:p>
         </p:txBody>
@@ -4586,7 +4586,7 @@
             </a:pPr>
             <a:r>
               <a:rPr lang="en-US" altLang="zh-TW"/>
-              <a:t>Big Data Mining &amp; Applications, Fall 2023</a:t>
+              <a:t>Big Data Mining &amp; Applications, Fall 2024</a:t>
             </a:r>
           </a:p>
         </p:txBody>
@@ -4931,7 +4931,7 @@
             </a:pPr>
             <a:r>
               <a:rPr lang="en-US" altLang="zh-TW"/>
-              <a:t>Big Data Mining &amp; Applications, Fall 2023</a:t>
+              <a:t>Big Data Mining &amp; Applications, Fall 2024</a:t>
             </a:r>
           </a:p>
         </p:txBody>
@@ -5533,19 +5533,7 @@
             <a:pPr eaLnBrk="1" hangingPunct="1"/>
             <a:r>
               <a:rPr lang="en-US" altLang="zh-TW" dirty="0"/>
-              <a:t>Big </a:t>
-            </a:r>
-            <a:r>
-              <a:rPr lang="en-US" altLang="zh-TW" dirty="0" smtClean="0"/>
-              <a:t>Data Mining</a:t>
-            </a:r>
-            <a:r>
-              <a:rPr lang="en-US" altLang="zh-TW" dirty="0"/>
-              <a:t>: HW#1</a:t>
-            </a:r>
-            <a:r>
-              <a:rPr lang="en-US" altLang="zh-TW" sz="4000" dirty="0"/>
-              <a:t/>
+              <a:t>Big Data Mining: HW#1</a:t>
             </a:r>
             <a:br>
               <a:rPr lang="en-US" altLang="zh-TW" sz="4000" dirty="0"/>
@@ -5571,27 +5559,19 @@
           <a:p>
             <a:pPr eaLnBrk="1" hangingPunct="1"/>
             <a:r>
-              <a:rPr lang="en-US" altLang="zh-TW"/>
-              <a:t>J</a:t>
-            </a:r>
-            <a:r>
               <a:rPr lang="en-US" altLang="zh-TW" dirty="0"/>
-              <a:t>. H. Wang</a:t>
+              <a:t>J. H. Wang</a:t>
             </a:r>
           </a:p>
           <a:p>
             <a:pPr eaLnBrk="1" hangingPunct="1"/>
             <a:r>
-              <a:rPr lang="en-US" altLang="zh-CN"/>
+              <a:rPr lang="en-US" altLang="zh-CN" dirty="0"/>
               <a:t>Oct</a:t>
             </a:r>
             <a:r>
-              <a:rPr lang="en-US" altLang="zh-TW"/>
-              <a:t>. 19, </a:t>
-            </a:r>
-            <a:r>
               <a:rPr lang="en-US" altLang="zh-TW" dirty="0"/>
-              <a:t>2023</a:t>
+              <a:t>. 16, 2024</a:t>
             </a:r>
           </a:p>
         </p:txBody>
@@ -5853,7 +5833,7 @@
               <a:rPr kumimoji="0" lang="en-US" altLang="zh-TW" sz="1400">
                 <a:latin typeface="Arial" panose="020B0604020202020204" pitchFamily="34" charset="0"/>
               </a:rPr>
-              <a:t>Big Data Mining &amp; Applications, Fall 2023</a:t>
+              <a:t>Big Data Mining &amp; Applications, Fall 2024</a:t>
             </a:r>
           </a:p>
         </p:txBody>
@@ -6507,7 +6487,7 @@
               <a:rPr kumimoji="0" lang="en-US" altLang="zh-TW" sz="1400">
                 <a:latin typeface="Arial" panose="020B0604020202020204" pitchFamily="34" charset="0"/>
               </a:rPr>
-              <a:t>Big Data Mining &amp; Applications, Fall 2023</a:t>
+              <a:t>Big Data Mining &amp; Applications, Fall 2024</a:t>
             </a:r>
           </a:p>
         </p:txBody>
@@ -6925,27 +6905,39 @@
           <a:lstStyle/>
           <a:p>
             <a:r>
-              <a:rPr lang="en-US" altLang="zh-TW" sz="2400"/>
+              <a:rPr lang="en-US" altLang="zh-TW" sz="2400" dirty="0"/>
               <a:t>Kaggle dataset:</a:t>
             </a:r>
           </a:p>
           <a:p>
             <a:pPr lvl="1"/>
             <a:r>
-              <a:rPr lang="en-US" altLang="zh-TW" sz="2400"/>
-              <a:t>astro__pat (patrickfleith). September 2023. Space News Dataset, Version 3. Retrieved 17 October 2023 from </a:t>
-            </a:r>
-            <a:r>
-              <a:rPr lang="en-US" altLang="zh-TW" sz="2400">
+              <a:rPr lang="en-US" altLang="zh-TW" sz="2400" dirty="0" err="1"/>
+              <a:t>astro</a:t>
+            </a:r>
+            <a:r>
+              <a:rPr lang="en-US" altLang="zh-TW" sz="2400" dirty="0"/>
+              <a:t>__pat (</a:t>
+            </a:r>
+            <a:r>
+              <a:rPr lang="en-US" altLang="zh-TW" sz="2400" dirty="0" err="1"/>
+              <a:t>patrickfleith</a:t>
+            </a:r>
+            <a:r>
+              <a:rPr lang="en-US" altLang="zh-TW" sz="2400" dirty="0"/>
+              <a:t>). Updated May 2024. Space News Dataset, Version 7. Retrieved 15 October 2024 from </a:t>
+            </a:r>
+            <a:r>
+              <a:rPr lang="en-US" altLang="zh-TW" sz="2400" dirty="0">
                 <a:hlinkClick r:id="rId2"/>
               </a:rPr>
               <a:t>https://www.kaggle.com/datasets/patrickfleith/space-news-dataset/data</a:t>
             </a:r>
-            <a:endParaRPr lang="en-US" altLang="zh-TW" sz="2400"/>
+            <a:endParaRPr lang="en-US" altLang="zh-TW" sz="2400" dirty="0"/>
           </a:p>
           <a:p>
             <a:pPr lvl="1"/>
-            <a:endParaRPr lang="en-US" altLang="zh-TW" sz="2400"/>
+            <a:endParaRPr lang="en-US" altLang="zh-TW" sz="2400" dirty="0"/>
           </a:p>
           <a:p>
             <a:pPr lvl="1"/>
@@ -7111,7 +7103,7 @@
               <a:rPr kumimoji="0" lang="en-US" altLang="zh-TW" sz="1400">
                 <a:latin typeface="Arial" panose="020B0604020202020204" pitchFamily="34" charset="0"/>
               </a:rPr>
-              <a:t>Big Data Mining &amp; Applications, Fall 2023</a:t>
+              <a:t>Big Data Mining &amp; Applications, Fall 2024</a:t>
             </a:r>
           </a:p>
         </p:txBody>
@@ -7640,7 +7632,7 @@
               <a:rPr kumimoji="0" lang="en-US" altLang="zh-TW" sz="1400">
                 <a:latin typeface="Arial" panose="020B0604020202020204" pitchFamily="34" charset="0"/>
               </a:rPr>
-              <a:t>Big Data Mining &amp; Applications, Fall 2023</a:t>
+              <a:t>Big Data Mining &amp; Applications, Fall 2024</a:t>
             </a:r>
           </a:p>
         </p:txBody>
@@ -8187,8 +8179,11 @@
               <a:rPr kumimoji="0" lang="en-US" altLang="zh-TW" sz="1400">
                 <a:latin typeface="Arial" panose="020B0604020202020204" pitchFamily="34" charset="0"/>
               </a:rPr>
-              <a:t>Big Data Mining &amp; Applications, Fall 2023</a:t>
-            </a:r>
+              <a:t>Big Data Mining &amp; Applications, Fall 2024</a:t>
+            </a:r>
+            <a:endParaRPr kumimoji="0" lang="en-US" altLang="zh-TW" sz="1400" dirty="0">
+              <a:latin typeface="Arial" panose="020B0604020202020204" pitchFamily="34" charset="0"/>
+            </a:endParaRPr>
           </a:p>
         </p:txBody>
       </p:sp>
@@ -8582,7 +8577,7 @@
               </a:lnSpc>
             </a:pPr>
             <a:r>
-              <a:rPr lang="en-US" altLang="zh-TW" sz="2400"/>
+              <a:rPr lang="en-US" altLang="zh-TW" sz="2400" dirty="0"/>
               <a:t>Goal: Calculating statistics of various data types using </a:t>
             </a:r>
           </a:p>
@@ -8592,7 +8587,7 @@
                 <a:spcPct val="80000"/>
               </a:lnSpc>
             </a:pPr>
-            <a:endParaRPr lang="en-US" altLang="zh-TW" sz="2000"/>
+            <a:endParaRPr lang="en-US" altLang="zh-TW" sz="2000" dirty="0"/>
           </a:p>
           <a:p>
             <a:pPr lvl="1" indent="-342900" eaLnBrk="1" hangingPunct="1">
@@ -8603,11 +8598,11 @@
               <a:buChar char="•"/>
             </a:pPr>
             <a:r>
-              <a:rPr lang="en-US" altLang="zh-TW" sz="2000"/>
+              <a:rPr lang="en-US" altLang="zh-TW" sz="2000" dirty="0"/>
               <a:t>MapReduce on </a:t>
             </a:r>
             <a:r>
-              <a:rPr lang="en-US" altLang="zh-TW" sz="2000">
+              <a:rPr lang="en-US" altLang="zh-TW" sz="2000" dirty="0">
                 <a:solidFill>
                   <a:srgbClr val="0000FF"/>
                 </a:solidFill>
@@ -8615,7 +8610,7 @@
               <a:t>multi-node</a:t>
             </a:r>
             <a:r>
-              <a:rPr lang="en-US" altLang="zh-TW" sz="2000"/>
+              <a:rPr lang="en-US" altLang="zh-TW" sz="2000" dirty="0"/>
               <a:t> Spark (for CS students)</a:t>
             </a:r>
           </a:p>
@@ -8628,8 +8623,16 @@
               <a:buChar char="•"/>
             </a:pPr>
             <a:r>
-              <a:rPr lang="en-US" altLang="zh-TW" sz="2000"/>
-              <a:t>or Python in Jupyter Notebook (for others)</a:t>
+              <a:rPr lang="en-US" altLang="zh-TW" sz="2000" dirty="0"/>
+              <a:t>or Python in </a:t>
+            </a:r>
+            <a:r>
+              <a:rPr lang="en-US" altLang="zh-TW" sz="2000" dirty="0" err="1"/>
+              <a:t>Jupyter</a:t>
+            </a:r>
+            <a:r>
+              <a:rPr lang="en-US" altLang="zh-TW" sz="2000" dirty="0"/>
+              <a:t> Notebook (for others)</a:t>
             </a:r>
           </a:p>
           <a:p>
@@ -8638,7 +8641,7 @@
                 <a:spcPct val="80000"/>
               </a:lnSpc>
             </a:pPr>
-            <a:endParaRPr lang="en-US" altLang="zh-TW" sz="2000"/>
+            <a:endParaRPr lang="en-US" altLang="zh-TW" sz="2000" dirty="0"/>
           </a:p>
           <a:p>
             <a:pPr eaLnBrk="1" hangingPunct="1">
@@ -8647,7 +8650,7 @@
               </a:lnSpc>
             </a:pPr>
             <a:r>
-              <a:rPr lang="en-US" altLang="zh-TW" sz="2400"/>
+              <a:rPr lang="en-US" altLang="zh-TW" sz="2400" dirty="0"/>
               <a:t>Input: Text (to be detailed later)</a:t>
             </a:r>
           </a:p>
@@ -8658,7 +8661,7 @@
               </a:lnSpc>
             </a:pPr>
             <a:r>
-              <a:rPr lang="en-US" altLang="zh-TW" sz="2400"/>
+              <a:rPr lang="en-US" altLang="zh-TW" sz="2400" dirty="0"/>
               <a:t>Output: Results of simple statistics (to be detailed later)</a:t>
             </a:r>
           </a:p>
@@ -8847,7 +8850,7 @@
               <a:rPr kumimoji="0" lang="en-US" altLang="zh-TW" sz="1400">
                 <a:latin typeface="Arial" panose="020B0604020202020204" pitchFamily="34" charset="0"/>
               </a:rPr>
-              <a:t>Big Data Mining &amp; Applications, Fall 2023</a:t>
+              <a:t>Big Data Mining &amp; Applications, Fall 2024</a:t>
             </a:r>
           </a:p>
         </p:txBody>
@@ -9251,15 +9254,7 @@
             </a:r>
             <a:r>
               <a:rPr lang="en-US" altLang="zh-TW" sz="1800" dirty="0"/>
-              <a:t>] from </a:t>
-            </a:r>
-            <a:r>
-              <a:rPr lang="en-US" altLang="zh-TW" sz="1800" dirty="0" err="1"/>
-              <a:t>Kaggle</a:t>
-            </a:r>
-            <a:r>
-              <a:rPr lang="en-US" altLang="zh-TW" sz="1800" dirty="0"/>
-              <a:t>, 28MB (compressed) in size</a:t>
+              <a:t>] from Kaggle, 30MB (compressed) in size</a:t>
             </a:r>
           </a:p>
           <a:p>
@@ -9269,21 +9264,8 @@
             </a:pPr>
             <a:r>
               <a:rPr lang="en-US" altLang="zh-TW" sz="1800" dirty="0"/>
-              <a:t>20,000 </a:t>
-            </a:r>
-            <a:r>
-              <a:rPr lang="en-US" altLang="zh-TW" sz="1800" dirty="0" smtClean="0"/>
-              <a:t>English </a:t>
-            </a:r>
-            <a:r>
-              <a:rPr lang="en-US" altLang="zh-TW" sz="1800" dirty="0"/>
-              <a:t>news articles related to the space industry, a total of more than 14 million tokens (words</a:t>
-            </a:r>
-            <a:r>
-              <a:rPr lang="en-US" altLang="zh-TW" sz="1800" dirty="0" smtClean="0"/>
-              <a:t>) </a:t>
-            </a:r>
-            <a:endParaRPr lang="en-US" altLang="zh-TW" sz="1800" dirty="0"/>
+              <a:t>&gt;20,700 English news articles related to the space industry, a total of more than 14 million tokens (words) </a:t>
+            </a:r>
           </a:p>
           <a:p>
             <a:pPr lvl="1">
@@ -9292,13 +9274,8 @@
             </a:pPr>
             <a:r>
               <a:rPr lang="en-US" altLang="zh-TW" sz="1800" dirty="0"/>
-              <a:t>It covers agency news, commercial, civil, launches, military, and also opinion </a:t>
-            </a:r>
-            <a:r>
-              <a:rPr lang="en-US" altLang="zh-TW" sz="1800" dirty="0" smtClean="0"/>
-              <a:t>articles</a:t>
-            </a:r>
-            <a:endParaRPr lang="en-US" altLang="zh-TW" sz="1800" dirty="0"/>
+              <a:t>It covers agency news, commercial, civil, launches, military, and also opinion articles</a:t>
+            </a:r>
           </a:p>
           <a:p>
             <a:pPr lvl="1">
@@ -9691,7 +9668,7 @@
               <a:rPr kumimoji="0" lang="en-US" altLang="zh-TW" sz="1400">
                 <a:latin typeface="Arial" panose="020B0604020202020204" pitchFamily="34" charset="0"/>
               </a:rPr>
-              <a:t>Big Data Mining &amp; Applications, Fall 2023</a:t>
+              <a:t>Big Data Mining &amp; Applications, Fall 2024</a:t>
             </a:r>
           </a:p>
         </p:txBody>
@@ -10105,7 +10082,7 @@
           <a:p>
             <a:r>
               <a:rPr lang="en-US" altLang="zh-TW" sz="2400" dirty="0"/>
-              <a:t>3 subtasks:</a:t>
+              <a:t>4 subtasks:</a:t>
             </a:r>
           </a:p>
           <a:p>
@@ -10174,7 +10151,7 @@
             </a:r>
             <a:r>
               <a:rPr lang="en-US" altLang="zh-TW" sz="2000" dirty="0"/>
-              <a:t>) (2) Calculate the average number of published articles in a day, and by authors in a day, respectively.</a:t>
+              <a:t>) (3) Calculate the percentage of published articles in a day, and by authors in a day, respectively.</a:t>
             </a:r>
           </a:p>
           <a:p>
@@ -10189,7 +10166,7 @@
             </a:r>
             <a:r>
               <a:rPr lang="en-US" altLang="zh-TW" sz="2000" dirty="0"/>
-              <a:t>) (3) List the records that the term “Space” (uppercase and lowercase included) occurs both in ‘</a:t>
+              <a:t>) (4) List the records that the term “Space” (uppercase and lowercase included) occurs both in ‘</a:t>
             </a:r>
             <a:r>
               <a:rPr lang="en-US" altLang="zh-TW" sz="2000" dirty="0">
@@ -10376,7 +10353,7 @@
               <a:rPr kumimoji="0" lang="en-US" altLang="zh-TW" sz="1400">
                 <a:latin typeface="Arial" panose="020B0604020202020204" pitchFamily="34" charset="0"/>
               </a:rPr>
-              <a:t>Big Data Mining &amp; Applications, Fall 2023</a:t>
+              <a:t>Big Data Mining &amp; Applications, Fall 2024</a:t>
             </a:r>
           </a:p>
         </p:txBody>
@@ -10794,7 +10771,7 @@
           <a:lstStyle/>
           <a:p>
             <a:r>
-              <a:rPr lang="en-US" altLang="zh-TW" sz="2000"/>
+              <a:rPr lang="en-US" altLang="zh-TW" sz="2000" dirty="0"/>
               <a:t>(1) 2 sorted lists of top-frequent words: {in total, per day}{for title}</a:t>
             </a:r>
           </a:p>
@@ -10804,7 +10781,7 @@
               <a:buChar char="•"/>
             </a:pPr>
             <a:r>
-              <a:rPr lang="en-US" altLang="zh-TW" sz="1600"/>
+              <a:rPr lang="en-US" altLang="zh-TW" sz="1600" dirty="0"/>
               <a:t>Each line: &lt;word&gt; &lt;count&gt; (in total)</a:t>
             </a:r>
           </a:p>
@@ -10813,13 +10790,13 @@
               <a:buNone/>
             </a:pPr>
             <a:r>
-              <a:rPr lang="en-US" altLang="zh-TW" sz="1600"/>
+              <a:rPr lang="en-US" altLang="zh-TW" sz="1600" dirty="0"/>
               <a:t>                        &lt;date&gt;&lt;word&gt; &lt;count&gt; (per day)</a:t>
             </a:r>
           </a:p>
           <a:p>
             <a:r>
-              <a:rPr lang="en-US" altLang="zh-TW" sz="2000"/>
+              <a:rPr lang="en-US" altLang="zh-TW" sz="2000" dirty="0"/>
               <a:t>(2) 2 sorted lists of top-frequent words: {in total, per day}{for content}</a:t>
             </a:r>
           </a:p>
@@ -10829,7 +10806,7 @@
               <a:buChar char="•"/>
             </a:pPr>
             <a:r>
-              <a:rPr lang="en-US" altLang="zh-TW" sz="1600"/>
+              <a:rPr lang="en-US" altLang="zh-TW" sz="1600" dirty="0"/>
               <a:t>Each line: &lt;word&gt; &lt;count&gt; (in total)</a:t>
             </a:r>
           </a:p>
@@ -10838,13 +10815,13 @@
               <a:buNone/>
             </a:pPr>
             <a:r>
-              <a:rPr lang="en-US" altLang="zh-TW" sz="1600"/>
+              <a:rPr lang="en-US" altLang="zh-TW" sz="1600" dirty="0"/>
               <a:t>                        &lt;date&gt;&lt;word&gt; &lt;count&gt; (per day)</a:t>
             </a:r>
           </a:p>
           <a:p>
             <a:r>
-              <a:rPr lang="en-US" altLang="zh-TW" sz="2000"/>
+              <a:rPr lang="en-US" altLang="zh-TW" sz="2000" dirty="0"/>
               <a:t>(3) 2 lists: {by day, by author}</a:t>
             </a:r>
           </a:p>
@@ -10854,8 +10831,8 @@
               <a:buChar char="•"/>
             </a:pPr>
             <a:r>
-              <a:rPr lang="en-US" altLang="zh-TW" sz="1600"/>
-              <a:t>Each line: &lt;date&gt;&lt;average articles&gt; (by day)</a:t>
+              <a:rPr lang="en-US" altLang="zh-TW" sz="1600" dirty="0"/>
+              <a:t>Each line: &lt;date&gt;&lt;% of articles&gt; (by day)</a:t>
             </a:r>
           </a:p>
           <a:p>
@@ -10863,14 +10840,14 @@
               <a:buNone/>
             </a:pPr>
             <a:r>
-              <a:rPr lang="en-US" altLang="zh-TW" sz="1600"/>
-              <a:t>                        &lt;date&gt;&lt;author&gt;&lt;average articles&gt; (by author)</a:t>
-            </a:r>
-            <a:endParaRPr lang="en-US" altLang="zh-TW" sz="2000"/>
-          </a:p>
-          <a:p>
-            <a:r>
-              <a:rPr lang="en-US" altLang="zh-TW" sz="2000"/>
+              <a:rPr lang="en-US" altLang="zh-TW" sz="1600" dirty="0"/>
+              <a:t>                        &lt;date&gt;&lt;author&gt;&lt;% of articles&gt; (by author)</a:t>
+            </a:r>
+            <a:endParaRPr lang="en-US" altLang="zh-TW" sz="2000" dirty="0"/>
+          </a:p>
+          <a:p>
+            <a:r>
+              <a:rPr lang="en-US" altLang="zh-TW" sz="2000" dirty="0"/>
               <a:t>(4) 1 sorted list:</a:t>
             </a:r>
           </a:p>
@@ -10880,8 +10857,16 @@
               <a:buChar char="•"/>
             </a:pPr>
             <a:r>
-              <a:rPr lang="en-US" altLang="zh-TW" sz="1600"/>
-              <a:t>Each line: &lt;row data that contained the term “Space” (uppercase and lowercase included) that occurs both in ‘Title’ and ‘Postexcerpt’.&gt;</a:t>
+              <a:rPr lang="en-US" altLang="zh-TW" sz="1600" dirty="0"/>
+              <a:t>Each line: &lt;row data that contained the term “Space” (uppercase and lowercase included) that occurs both in ‘Title’ and ‘</a:t>
+            </a:r>
+            <a:r>
+              <a:rPr lang="en-US" altLang="zh-TW" sz="1600" dirty="0" err="1"/>
+              <a:t>Postexcerpt</a:t>
+            </a:r>
+            <a:r>
+              <a:rPr lang="en-US" altLang="zh-TW" sz="1600" dirty="0"/>
+              <a:t>’.&gt;</a:t>
             </a:r>
           </a:p>
         </p:txBody>
@@ -11044,7 +11029,7 @@
               <a:rPr kumimoji="0" lang="en-US" altLang="zh-TW" sz="1400">
                 <a:latin typeface="Arial" panose="020B0604020202020204" pitchFamily="34" charset="0"/>
               </a:rPr>
-              <a:t>Big Data Mining &amp; Applications, Fall 2023</a:t>
+              <a:t>Big Data Mining &amp; Applications, Fall 2024</a:t>
             </a:r>
           </a:p>
         </p:txBody>
@@ -11635,7 +11620,7 @@
               <a:rPr kumimoji="0" lang="en-US" altLang="zh-TW" sz="1400">
                 <a:latin typeface="Arial" panose="020B0604020202020204" pitchFamily="34" charset="0"/>
               </a:rPr>
-              <a:t>Big Data Mining &amp; Applications, Fall 2023</a:t>
+              <a:t>Big Data Mining &amp; Applications, Fall 2024</a:t>
             </a:r>
           </a:p>
         </p:txBody>
@@ -12080,21 +12065,8 @@
             <a:pPr lvl="1"/>
             <a:r>
               <a:rPr lang="en-US" altLang="zh-TW" sz="2400" dirty="0"/>
-              <a:t>Please register </a:t>
-            </a:r>
-            <a:r>
-              <a:rPr lang="en-US" altLang="zh-TW" sz="2400" dirty="0" smtClean="0"/>
-              <a:t>your </a:t>
-            </a:r>
-            <a:r>
-              <a:rPr lang="en-US" altLang="zh-TW" sz="2400" dirty="0"/>
-              <a:t>team members to the TA first via the registration link in Teams, </a:t>
-            </a:r>
-            <a:r>
-              <a:rPr lang="en-US" altLang="zh-TW" sz="2400" dirty="0" smtClean="0"/>
-              <a:t>Facebook</a:t>
-            </a:r>
-            <a:endParaRPr lang="en-US" altLang="zh-TW" sz="2400" dirty="0"/>
+              <a:t>Please register your team members to the TA first via the registration link in Teams, Facebook</a:t>
+            </a:r>
           </a:p>
           <a:p>
             <a:endParaRPr lang="en-US" altLang="zh-TW" sz="2400" dirty="0"/>
@@ -12362,7 +12334,7 @@
               <a:rPr kumimoji="0" lang="en-US" altLang="zh-TW" sz="1400">
                 <a:latin typeface="Arial" panose="020B0604020202020204" pitchFamily="34" charset="0"/>
               </a:rPr>
-              <a:t>Big Data Mining &amp; Applications, Fall 2023</a:t>
+              <a:t>Big Data Mining &amp; Applications, Fall 2024</a:t>
             </a:r>
           </a:p>
         </p:txBody>
@@ -12874,11 +12846,7 @@
             </a:r>
             <a:r>
               <a:rPr lang="en-US" altLang="zh-TW" sz="1600" dirty="0"/>
-              <a:t>in </a:t>
-            </a:r>
-            <a:r>
-              <a:rPr lang="en-US" altLang="zh-TW" sz="1600"/>
-              <a:t>the documentation</a:t>
+              <a:t>in the documentation</a:t>
             </a:r>
           </a:p>
           <a:p>
@@ -12887,7 +12855,7 @@
               <a:buChar char="•"/>
             </a:pPr>
             <a:r>
-              <a:rPr lang="en-US" altLang="zh-TW" sz="1600">
+              <a:rPr lang="en-US" altLang="zh-TW" sz="1600" dirty="0">
                 <a:solidFill>
                   <a:srgbClr val="FF0000"/>
                 </a:solidFill>
@@ -12895,7 +12863,7 @@
               <a:t>Team members list</a:t>
             </a:r>
             <a:r>
-              <a:rPr lang="en-US" altLang="zh-TW" sz="1600"/>
+              <a:rPr lang="en-US" altLang="zh-TW" sz="1600" dirty="0"/>
               <a:t>: The names and the responsible parts of each individual member *should* be clearly identified.</a:t>
             </a:r>
             <a:endParaRPr lang="en-US" altLang="zh-TW" sz="2000" dirty="0"/>
@@ -12903,27 +12871,15 @@
           <a:p>
             <a:r>
               <a:rPr lang="en-US" altLang="zh-TW" sz="2400" dirty="0"/>
-              <a:t>Due</a:t>
-            </a:r>
-            <a:r>
-              <a:rPr lang="en-US" altLang="zh-TW" sz="2400"/>
-              <a:t>: 2 weeks (</a:t>
-            </a:r>
-            <a:r>
-              <a:rPr lang="en-US" altLang="zh-TW" sz="2400">
+              <a:t>Due: 2 weeks (</a:t>
+            </a:r>
+            <a:r>
+              <a:rPr lang="en-US" altLang="zh-TW" sz="2400" dirty="0">
                 <a:solidFill>
                   <a:srgbClr val="FF0000"/>
                 </a:solidFill>
               </a:rPr>
-              <a:t>Nov. 2, </a:t>
-            </a:r>
-            <a:r>
-              <a:rPr lang="en-US" altLang="zh-TW" sz="2400" dirty="0">
-                <a:solidFill>
-                  <a:srgbClr val="FF0000"/>
-                </a:solidFill>
-              </a:rPr>
-              <a:t>2023</a:t>
+              <a:t>Oct. 30, 2024</a:t>
             </a:r>
             <a:r>
               <a:rPr lang="en-US" altLang="zh-TW" sz="2400" dirty="0"/>
@@ -13091,7 +13047,7 @@
               <a:rPr kumimoji="0" lang="en-US" altLang="zh-TW" sz="1400">
                 <a:latin typeface="Arial" panose="020B0604020202020204" pitchFamily="34" charset="0"/>
               </a:rPr>
-              <a:t>Big Data Mining &amp; Applications, Fall 2023</a:t>
+              <a:t>Big Data Mining &amp; Applications, Fall 2024</a:t>
             </a:r>
           </a:p>
         </p:txBody>
@@ -14734,21 +14690,6 @@
 </file>
 
 <file path=customXml/item1.xml><?xml version="1.0" encoding="utf-8"?>
-<p:properties xmlns:p="http://schemas.microsoft.com/office/2006/metadata/properties" xmlns:xsi="http://www.w3.org/2001/XMLSchema-instance" xmlns:pc="http://schemas.microsoft.com/office/infopath/2007/PartnerControls">
-  <documentManagement/>
-</p:properties>
-</file>
-
-<file path=customXml/item2.xml><?xml version="1.0" encoding="utf-8"?>
-<?mso-contentType ?>
-<FormTemplates xmlns="http://schemas.microsoft.com/sharepoint/v3/contenttype/forms">
-  <Display>DocumentLibraryForm</Display>
-  <Edit>DocumentLibraryForm</Edit>
-  <New>DocumentLibraryForm</New>
-</FormTemplates>
-</file>
-
-<file path=customXml/item3.xml><?xml version="1.0" encoding="utf-8"?>
 <ct:contentTypeSchema xmlns:ct="http://schemas.microsoft.com/office/2006/metadata/contentType" xmlns:ma="http://schemas.microsoft.com/office/2006/metadata/properties/metaAttributes" ct:_="" ma:_="" ma:contentTypeName="文件" ma:contentTypeID="0x010100CD7C3B1DE9EC174B8BA3B585D24F6191" ma:contentTypeVersion="9" ma:contentTypeDescription="建立新的文件。" ma:contentTypeScope="" ma:versionID="fc8995282d5575718c8545977d9a162e">
   <xsd:schema xmlns:xsd="http://www.w3.org/2001/XMLSchema" xmlns:xs="http://www.w3.org/2001/XMLSchema" xmlns:p="http://schemas.microsoft.com/office/2006/metadata/properties" xmlns:ns2="87d63e5e-dbb1-48d6-b55e-f31be5250adf" xmlns:ns3="5ec4d5cc-f3e4-4cb6-9660-c3ee0f8ba627" targetNamespace="http://schemas.microsoft.com/office/2006/metadata/properties" ma:root="true" ma:fieldsID="d106560f30a6cbf1f3ea6f6476f43159" ns2:_="" ns3:_="">
     <xsd:import namespace="87d63e5e-dbb1-48d6-b55e-f31be5250adf"/>
@@ -14943,7 +14884,41 @@
 </ct:contentTypeSchema>
 </file>
 
+<file path=customXml/item2.xml><?xml version="1.0" encoding="utf-8"?>
+<p:properties xmlns:p="http://schemas.microsoft.com/office/2006/metadata/properties" xmlns:xsi="http://www.w3.org/2001/XMLSchema-instance" xmlns:pc="http://schemas.microsoft.com/office/infopath/2007/PartnerControls">
+  <documentManagement/>
+</p:properties>
+</file>
+
+<file path=customXml/item3.xml><?xml version="1.0" encoding="utf-8"?>
+<?mso-contentType ?>
+<FormTemplates xmlns="http://schemas.microsoft.com/sharepoint/v3/contenttype/forms">
+  <Display>DocumentLibraryForm</Display>
+  <Edit>DocumentLibraryForm</Edit>
+  <New>DocumentLibraryForm</New>
+</FormTemplates>
+</file>
+
 <file path=customXml/itemProps1.xml><?xml version="1.0" encoding="utf-8"?>
+<ds:datastoreItem xmlns:ds="http://schemas.openxmlformats.org/officeDocument/2006/customXml" ds:itemID="{A9E17236-6D06-44D8-BAC3-9DC19FA3E275}">
+  <ds:schemaRefs>
+    <ds:schemaRef ds:uri="http://schemas.microsoft.com/office/2006/metadata/contentType"/>
+    <ds:schemaRef ds:uri="http://schemas.microsoft.com/office/2006/metadata/properties/metaAttributes"/>
+    <ds:schemaRef ds:uri="http://www.w3.org/2001/XMLSchema"/>
+    <ds:schemaRef ds:uri="http://schemas.microsoft.com/office/2006/metadata/properties"/>
+    <ds:schemaRef ds:uri="87d63e5e-dbb1-48d6-b55e-f31be5250adf"/>
+    <ds:schemaRef ds:uri="5ec4d5cc-f3e4-4cb6-9660-c3ee0f8ba627"/>
+    <ds:schemaRef ds:uri="http://schemas.microsoft.com/office/2006/documentManagement/types"/>
+    <ds:schemaRef ds:uri="http://schemas.microsoft.com/office/infopath/2007/PartnerControls"/>
+    <ds:schemaRef ds:uri="http://schemas.openxmlformats.org/package/2006/metadata/core-properties"/>
+    <ds:schemaRef ds:uri="http://purl.org/dc/elements/1.1/"/>
+    <ds:schemaRef ds:uri="http://purl.org/dc/terms/"/>
+    <ds:schemaRef ds:uri="http://schemas.microsoft.com/internal/obd"/>
+  </ds:schemaRefs>
+</ds:datastoreItem>
+</file>
+
+<file path=customXml/itemProps2.xml><?xml version="1.0" encoding="utf-8"?>
 <ds:datastoreItem xmlns:ds="http://schemas.openxmlformats.org/officeDocument/2006/customXml" ds:itemID="{9D3C8F21-5442-4811-AD37-E39D2F83CAEB}">
   <ds:schemaRefs>
     <ds:schemaRef ds:uri="87d63e5e-dbb1-48d6-b55e-f31be5250adf"/>
@@ -14960,29 +14935,10 @@
 </ds:datastoreItem>
 </file>
 
-<file path=customXml/itemProps2.xml><?xml version="1.0" encoding="utf-8"?>
+<file path=customXml/itemProps3.xml><?xml version="1.0" encoding="utf-8"?>
 <ds:datastoreItem xmlns:ds="http://schemas.openxmlformats.org/officeDocument/2006/customXml" ds:itemID="{6A1B13E3-E4E8-4EF1-807D-F507603EC49A}">
   <ds:schemaRefs>
     <ds:schemaRef ds:uri="http://schemas.microsoft.com/sharepoint/v3/contenttype/forms"/>
   </ds:schemaRefs>
 </ds:datastoreItem>
-</file>
-
-<file path=customXml/itemProps3.xml><?xml version="1.0" encoding="utf-8"?>
-<ds:datastoreItem xmlns:ds="http://schemas.openxmlformats.org/officeDocument/2006/customXml" ds:itemID="{A9E17236-6D06-44D8-BAC3-9DC19FA3E275}">
-  <ds:schemaRefs>
-    <ds:schemaRef ds:uri="http://schemas.microsoft.com/office/2006/metadata/contentType"/>
-    <ds:schemaRef ds:uri="http://schemas.microsoft.com/office/2006/metadata/properties/metaAttributes"/>
-    <ds:schemaRef ds:uri="http://www.w3.org/2001/XMLSchema"/>
-    <ds:schemaRef ds:uri="http://schemas.microsoft.com/office/2006/metadata/properties"/>
-    <ds:schemaRef ds:uri="87d63e5e-dbb1-48d6-b55e-f31be5250adf"/>
-    <ds:schemaRef ds:uri="5ec4d5cc-f3e4-4cb6-9660-c3ee0f8ba627"/>
-    <ds:schemaRef ds:uri="http://schemas.microsoft.com/office/2006/documentManagement/types"/>
-    <ds:schemaRef ds:uri="http://schemas.microsoft.com/office/infopath/2007/PartnerControls"/>
-    <ds:schemaRef ds:uri="http://schemas.openxmlformats.org/package/2006/metadata/core-properties"/>
-    <ds:schemaRef ds:uri="http://purl.org/dc/elements/1.1/"/>
-    <ds:schemaRef ds:uri="http://purl.org/dc/terms/"/>
-    <ds:schemaRef ds:uri="http://schemas.microsoft.com/internal/obd"/>
-  </ds:schemaRefs>
-</ds:datastoreItem>
 </file>
--- a/BDM/HW1.pptx
+++ b/BDM/HW1.pptx
@@ -8578,7 +8578,7 @@
             </a:pPr>
             <a:r>
               <a:rPr lang="en-US" altLang="zh-TW" sz="2400" dirty="0"/>
-              <a:t>Goal: Calculating statistics of various data types using </a:t>
+              <a:t>Goal: Analyzing text documents using </a:t>
             </a:r>
           </a:p>
           <a:p>
@@ -8651,7 +8651,7 @@
             </a:pPr>
             <a:r>
               <a:rPr lang="en-US" altLang="zh-TW" sz="2400" dirty="0"/>
-              <a:t>Input: Text (to be detailed later)</a:t>
+              <a:t>Input: Text documents (to be detailed later)</a:t>
             </a:r>
           </a:p>
           <a:p>
@@ -14892,18 +14892,18 @@
 </file>
 
 <file path=customXml/item2.xml><?xml version="1.0" encoding="utf-8"?>
+<p:properties xmlns:p="http://schemas.microsoft.com/office/2006/metadata/properties" xmlns:xsi="http://www.w3.org/2001/XMLSchema-instance" xmlns:pc="http://schemas.microsoft.com/office/infopath/2007/PartnerControls">
+  <documentManagement/>
+</p:properties>
+</file>
+
+<file path=customXml/item3.xml><?xml version="1.0" encoding="utf-8"?>
 <?mso-contentType ?>
 <FormTemplates xmlns="http://schemas.microsoft.com/sharepoint/v3/contenttype/forms">
   <Display>DocumentLibraryForm</Display>
   <Edit>DocumentLibraryForm</Edit>
   <New>DocumentLibraryForm</New>
 </FormTemplates>
-</file>
-
-<file path=customXml/item3.xml><?xml version="1.0" encoding="utf-8"?>
-<p:properties xmlns:p="http://schemas.microsoft.com/office/2006/metadata/properties" xmlns:xsi="http://www.w3.org/2001/XMLSchema-instance" xmlns:pc="http://schemas.microsoft.com/office/infopath/2007/PartnerControls">
-  <documentManagement/>
-</p:properties>
 </file>
 
 <file path=customXml/itemProps1.xml><?xml version="1.0" encoding="utf-8"?>
@@ -14926,14 +14926,6 @@
 </file>
 
 <file path=customXml/itemProps2.xml><?xml version="1.0" encoding="utf-8"?>
-<ds:datastoreItem xmlns:ds="http://schemas.openxmlformats.org/officeDocument/2006/customXml" ds:itemID="{6A1B13E3-E4E8-4EF1-807D-F507603EC49A}">
-  <ds:schemaRefs>
-    <ds:schemaRef ds:uri="http://schemas.microsoft.com/sharepoint/v3/contenttype/forms"/>
-  </ds:schemaRefs>
-</ds:datastoreItem>
-</file>
-
-<file path=customXml/itemProps3.xml><?xml version="1.0" encoding="utf-8"?>
 <ds:datastoreItem xmlns:ds="http://schemas.openxmlformats.org/officeDocument/2006/customXml" ds:itemID="{9D3C8F21-5442-4811-AD37-E39D2F83CAEB}">
   <ds:schemaRefs>
     <ds:schemaRef ds:uri="87d63e5e-dbb1-48d6-b55e-f31be5250adf"/>
@@ -14948,4 +14940,12 @@
     <ds:schemaRef ds:uri="http://purl.org/dc/terms/"/>
   </ds:schemaRefs>
 </ds:datastoreItem>
+</file>
+
+<file path=customXml/itemProps3.xml><?xml version="1.0" encoding="utf-8"?>
+<ds:datastoreItem xmlns:ds="http://schemas.openxmlformats.org/officeDocument/2006/customXml" ds:itemID="{6A1B13E3-E4E8-4EF1-807D-F507603EC49A}">
+  <ds:schemaRefs>
+    <ds:schemaRef ds:uri="http://schemas.microsoft.com/sharepoint/v3/contenttype/forms"/>
+  </ds:schemaRefs>
+</ds:datastoreItem>
 </file>